--- a/docs/pr/Final_version_PowerPoint.pptx
+++ b/docs/pr/Final_version_PowerPoint.pptx
@@ -16484,10 +16484,10 @@
       </p:sp>
       <p:pic>
         <p:nvPicPr>
-          <p:cNvPr id="3" name="Grafik 4" descr="Ein Bild, das Blume enthält.&#10;&#10;Mit sehr hoher Zuverlässigkeit generierte Beschreibung">
+          <p:cNvPr id="6" name="Grafik 5" descr="Ein Bild, das Blume, Tisch enthält.&#10;&#10;Automatisch generierte Beschreibung">
             <a:extLst>
               <a:ext uri="{FF2B5EF4-FFF2-40B4-BE49-F238E27FC236}">
-                <a16:creationId xmlns:a16="http://schemas.microsoft.com/office/drawing/2014/main" id="{6C1DF064-F2CD-4BC1-AEE1-4CFBD54B6FAF}"/>
+                <a16:creationId xmlns:a16="http://schemas.microsoft.com/office/drawing/2014/main" id="{9F1DF517-D0B0-4D17-86B2-319A9C6EC39B}"/>
               </a:ext>
             </a:extLst>
           </p:cNvPr>
@@ -16504,8 +16504,8 @@
         </p:blipFill>
         <p:spPr>
           <a:xfrm>
-            <a:off x="2826589" y="-530525"/>
-            <a:ext cx="6711350" cy="6725728"/>
+            <a:off x="3223974" y="0"/>
+            <a:ext cx="5743535" cy="5743535"/>
           </a:xfrm>
           <a:prstGeom prst="rect">
             <a:avLst/>
@@ -20229,23 +20229,6 @@
 </file>
 
 <file path=customXml/item1.xml><?xml version="1.0" encoding="utf-8"?>
-<?mso-contentType ?>
-<FormTemplates xmlns="http://schemas.microsoft.com/sharepoint/v3/contenttype/forms">
-  <Display>DocumentLibraryForm</Display>
-  <Edit>DocumentLibraryForm</Edit>
-  <New>DocumentLibraryForm</New>
-</FormTemplates>
-</file>
-
-<file path=customXml/item2.xml><?xml version="1.0" encoding="utf-8"?>
-<p:properties xmlns:p="http://schemas.microsoft.com/office/2006/metadata/properties" xmlns:xsi="http://www.w3.org/2001/XMLSchema-instance" xmlns:pc="http://schemas.microsoft.com/office/infopath/2007/PartnerControls">
-  <documentManagement>
-    <MediaServiceKeyPoints xmlns="71af3243-3dd4-4a8d-8c0d-dd76da1f02a5" xsi:nil="true"/>
-  </documentManagement>
-</p:properties>
-</file>
-
-<file path=customXml/item3.xml><?xml version="1.0" encoding="utf-8"?>
 <ct:contentTypeSchema xmlns:ct="http://schemas.microsoft.com/office/2006/metadata/contentType" xmlns:ma="http://schemas.microsoft.com/office/2006/metadata/properties/metaAttributes" ct:_="" ma:_="" ma:contentTypeName="Document" ma:contentTypeID="0x01010079F111ED35F8CC479449609E8A0923A6" ma:contentTypeVersion="11" ma:contentTypeDescription="Create a new document." ma:contentTypeScope="" ma:versionID="9677210f24a1be23c92c90fd886aa0aa">
   <xsd:schema xmlns:xsd="http://www.w3.org/2001/XMLSchema" xmlns:xs="http://www.w3.org/2001/XMLSchema" xmlns:p="http://schemas.microsoft.com/office/2006/metadata/properties" xmlns:ns2="71af3243-3dd4-4a8d-8c0d-dd76da1f02a5" xmlns:ns3="16c05727-aa75-4e4a-9b5f-8a80a1165891" targetNamespace="http://schemas.microsoft.com/office/2006/metadata/properties" ma:root="true" ma:fieldsID="60e05723c5c1908df1a1a4ebf11d344e" ns2:_="" ns3:_="">
     <xsd:import namespace="71af3243-3dd4-4a8d-8c0d-dd76da1f02a5"/>
@@ -20456,25 +20439,24 @@
 </ct:contentTypeSchema>
 </file>
 
-<file path=customXml/itemProps1.xml><?xml version="1.0" encoding="utf-8"?>
-<ds:datastoreItem xmlns:ds="http://schemas.openxmlformats.org/officeDocument/2006/customXml" ds:itemID="{C891CEF5-7D17-4449-AD82-27F788CCEB85}">
-  <ds:schemaRefs>
-    <ds:schemaRef ds:uri="http://schemas.microsoft.com/sharepoint/v3/contenttype/forms"/>
-  </ds:schemaRefs>
-</ds:datastoreItem>
+<file path=customXml/item2.xml><?xml version="1.0" encoding="utf-8"?>
+<p:properties xmlns:p="http://schemas.microsoft.com/office/2006/metadata/properties" xmlns:xsi="http://www.w3.org/2001/XMLSchema-instance" xmlns:pc="http://schemas.microsoft.com/office/infopath/2007/PartnerControls">
+  <documentManagement>
+    <MediaServiceKeyPoints xmlns="71af3243-3dd4-4a8d-8c0d-dd76da1f02a5" xsi:nil="true"/>
+  </documentManagement>
+</p:properties>
 </file>
 
-<file path=customXml/itemProps2.xml><?xml version="1.0" encoding="utf-8"?>
-<ds:datastoreItem xmlns:ds="http://schemas.openxmlformats.org/officeDocument/2006/customXml" ds:itemID="{4BBAF3C8-71C4-431D-8214-C45BE69CDAF4}">
-  <ds:schemaRefs>
-    <ds:schemaRef ds:uri="http://schemas.microsoft.com/office/2006/metadata/properties"/>
-    <ds:schemaRef ds:uri="http://schemas.microsoft.com/office/infopath/2007/PartnerControls"/>
-    <ds:schemaRef ds:uri="71af3243-3dd4-4a8d-8c0d-dd76da1f02a5"/>
-  </ds:schemaRefs>
-</ds:datastoreItem>
+<file path=customXml/item3.xml><?xml version="1.0" encoding="utf-8"?>
+<?mso-contentType ?>
+<FormTemplates xmlns="http://schemas.microsoft.com/sharepoint/v3/contenttype/forms">
+  <Display>DocumentLibraryForm</Display>
+  <Edit>DocumentLibraryForm</Edit>
+  <New>DocumentLibraryForm</New>
+</FormTemplates>
 </file>
 
-<file path=customXml/itemProps3.xml><?xml version="1.0" encoding="utf-8"?>
+<file path=customXml/itemProps1.xml><?xml version="1.0" encoding="utf-8"?>
 <ds:datastoreItem xmlns:ds="http://schemas.openxmlformats.org/officeDocument/2006/customXml" ds:itemID="{7D032C04-CDCC-4B71-8433-7230B8B1450D}">
   <ds:schemaRefs>
     <ds:schemaRef ds:uri="http://schemas.microsoft.com/office/2006/metadata/contentType"/>
@@ -20491,4 +20473,22 @@
     <ds:schemaRef ds:uri="http://schemas.microsoft.com/internal/obd"/>
   </ds:schemaRefs>
 </ds:datastoreItem>
+</file>
+
+<file path=customXml/itemProps2.xml><?xml version="1.0" encoding="utf-8"?>
+<ds:datastoreItem xmlns:ds="http://schemas.openxmlformats.org/officeDocument/2006/customXml" ds:itemID="{4BBAF3C8-71C4-431D-8214-C45BE69CDAF4}">
+  <ds:schemaRefs>
+    <ds:schemaRef ds:uri="http://schemas.microsoft.com/office/2006/metadata/properties"/>
+    <ds:schemaRef ds:uri="http://schemas.microsoft.com/office/infopath/2007/PartnerControls"/>
+    <ds:schemaRef ds:uri="71af3243-3dd4-4a8d-8c0d-dd76da1f02a5"/>
+  </ds:schemaRefs>
+</ds:datastoreItem>
+</file>
+
+<file path=customXml/itemProps3.xml><?xml version="1.0" encoding="utf-8"?>
+<ds:datastoreItem xmlns:ds="http://schemas.openxmlformats.org/officeDocument/2006/customXml" ds:itemID="{C891CEF5-7D17-4449-AD82-27F788CCEB85}">
+  <ds:schemaRefs>
+    <ds:schemaRef ds:uri="http://schemas.microsoft.com/sharepoint/v3/contenttype/forms"/>
+  </ds:schemaRefs>
+</ds:datastoreItem>
 </file>